--- a/rifNodeServices/RIF Geospatial Data Processing.pptx
+++ b/rifNodeServices/RIF Geospatial Data Processing.pptx
@@ -120,6 +120,11 @@
       </a:defRPr>
     </a:lvl9pPr>
   </p:defaultTextStyle>
+  <p:extLst>
+    <p:ext uri="{EFAFB233-063F-42B5-8137-9DF3F51BA10A}">
+      <p15:sldGuideLst xmlns:p15="http://schemas.microsoft.com/office/powerpoint/2012/main"/>
+    </p:ext>
+  </p:extLst>
 </p:presentation>
 </file>
 
@@ -254,7 +259,7 @@
           <a:p>
             <a:fld id="{815B0811-FB2B-4E29-8274-B07D4C536A20}" type="datetimeFigureOut">
               <a:rPr lang="en-GB" smtClean="0"/>
-              <a:t>17/02/2016</a:t>
+              <a:t>23/02/2016</a:t>
             </a:fld>
             <a:endParaRPr lang="en-GB"/>
           </a:p>
@@ -424,7 +429,7 @@
           <a:p>
             <a:fld id="{815B0811-FB2B-4E29-8274-B07D4C536A20}" type="datetimeFigureOut">
               <a:rPr lang="en-GB" smtClean="0"/>
-              <a:t>17/02/2016</a:t>
+              <a:t>23/02/2016</a:t>
             </a:fld>
             <a:endParaRPr lang="en-GB"/>
           </a:p>
@@ -604,7 +609,7 @@
           <a:p>
             <a:fld id="{815B0811-FB2B-4E29-8274-B07D4C536A20}" type="datetimeFigureOut">
               <a:rPr lang="en-GB" smtClean="0"/>
-              <a:t>17/02/2016</a:t>
+              <a:t>23/02/2016</a:t>
             </a:fld>
             <a:endParaRPr lang="en-GB"/>
           </a:p>
@@ -774,7 +779,7 @@
           <a:p>
             <a:fld id="{815B0811-FB2B-4E29-8274-B07D4C536A20}" type="datetimeFigureOut">
               <a:rPr lang="en-GB" smtClean="0"/>
-              <a:t>17/02/2016</a:t>
+              <a:t>23/02/2016</a:t>
             </a:fld>
             <a:endParaRPr lang="en-GB"/>
           </a:p>
@@ -1020,7 +1025,7 @@
           <a:p>
             <a:fld id="{815B0811-FB2B-4E29-8274-B07D4C536A20}" type="datetimeFigureOut">
               <a:rPr lang="en-GB" smtClean="0"/>
-              <a:t>17/02/2016</a:t>
+              <a:t>23/02/2016</a:t>
             </a:fld>
             <a:endParaRPr lang="en-GB"/>
           </a:p>
@@ -1252,7 +1257,7 @@
           <a:p>
             <a:fld id="{815B0811-FB2B-4E29-8274-B07D4C536A20}" type="datetimeFigureOut">
               <a:rPr lang="en-GB" smtClean="0"/>
-              <a:t>17/02/2016</a:t>
+              <a:t>23/02/2016</a:t>
             </a:fld>
             <a:endParaRPr lang="en-GB"/>
           </a:p>
@@ -1619,7 +1624,7 @@
           <a:p>
             <a:fld id="{815B0811-FB2B-4E29-8274-B07D4C536A20}" type="datetimeFigureOut">
               <a:rPr lang="en-GB" smtClean="0"/>
-              <a:t>17/02/2016</a:t>
+              <a:t>23/02/2016</a:t>
             </a:fld>
             <a:endParaRPr lang="en-GB"/>
           </a:p>
@@ -1737,7 +1742,7 @@
           <a:p>
             <a:fld id="{815B0811-FB2B-4E29-8274-B07D4C536A20}" type="datetimeFigureOut">
               <a:rPr lang="en-GB" smtClean="0"/>
-              <a:t>17/02/2016</a:t>
+              <a:t>23/02/2016</a:t>
             </a:fld>
             <a:endParaRPr lang="en-GB"/>
           </a:p>
@@ -1832,7 +1837,7 @@
           <a:p>
             <a:fld id="{815B0811-FB2B-4E29-8274-B07D4C536A20}" type="datetimeFigureOut">
               <a:rPr lang="en-GB" smtClean="0"/>
-              <a:t>17/02/2016</a:t>
+              <a:t>23/02/2016</a:t>
             </a:fld>
             <a:endParaRPr lang="en-GB"/>
           </a:p>
@@ -2109,7 +2114,7 @@
           <a:p>
             <a:fld id="{815B0811-FB2B-4E29-8274-B07D4C536A20}" type="datetimeFigureOut">
               <a:rPr lang="en-GB" smtClean="0"/>
-              <a:t>17/02/2016</a:t>
+              <a:t>23/02/2016</a:t>
             </a:fld>
             <a:endParaRPr lang="en-GB"/>
           </a:p>
@@ -2362,7 +2367,7 @@
           <a:p>
             <a:fld id="{815B0811-FB2B-4E29-8274-B07D4C536A20}" type="datetimeFigureOut">
               <a:rPr lang="en-GB" smtClean="0"/>
-              <a:t>17/02/2016</a:t>
+              <a:t>23/02/2016</a:t>
             </a:fld>
             <a:endParaRPr lang="en-GB"/>
           </a:p>
@@ -2575,7 +2580,7 @@
           <a:p>
             <a:fld id="{815B0811-FB2B-4E29-8274-B07D4C536A20}" type="datetimeFigureOut">
               <a:rPr lang="en-GB" smtClean="0"/>
-              <a:t>17/02/2016</a:t>
+              <a:t>23/02/2016</a:t>
             </a:fld>
             <a:endParaRPr lang="en-GB"/>
           </a:p>
@@ -3029,7 +3034,11 @@
           <a:p>
             <a:r>
               <a:rPr lang="en-GB" sz="3600" dirty="0" smtClean="0"/>
-              <a:t>Geospatial Data Processing</a:t>
+              <a:t>Prototype Geospatial </a:t>
+            </a:r>
+            <a:r>
+              <a:rPr lang="en-GB" sz="3600" dirty="0" smtClean="0"/>
+              <a:t>Data Processing</a:t>
             </a:r>
             <a:endParaRPr lang="en-GB" sz="3600" dirty="0"/>
           </a:p>
@@ -3155,15 +3164,7 @@
           <a:p>
             <a:r>
               <a:rPr lang="en-GB" dirty="0" smtClean="0"/>
-              <a:t>Add multi-polygon columns SHAPEFILE_GEOMETRY and OPTIMISED_GEOMETRY, </a:t>
-            </a:r>
-            <a:r>
-              <a:rPr lang="en-GB" dirty="0" smtClean="0"/>
-              <a:t>OPTIMISED_GEOMETRY_2, OPTIMISED_GEOMETRY_3</a:t>
-            </a:r>
-            <a:r>
-              <a:rPr lang="en-GB" dirty="0" smtClean="0"/>
-              <a:t> with the SRID for the geography;</a:t>
+              <a:t>Add multi-polygon columns SHAPEFILE_GEOMETRY and OPTIMISED_GEOMETRY, OPTIMISED_GEOMETRY_2, OPTIMISED_GEOMETRY_3 with the SRID for the geography;</a:t>
             </a:r>
           </a:p>
           <a:p>
@@ -3217,11 +3218,7 @@
             </a:r>
             <a:r>
               <a:rPr lang="en-GB" i="1" dirty="0" smtClean="0"/>
-              <a:t>rif40_geo_pkg.</a:t>
-            </a:r>
-            <a:r>
-              <a:rPr lang="en-GB" i="1" dirty="0" smtClean="0"/>
-              <a:t>rif40_zoom_levels(). </a:t>
+              <a:t>rif40_geo_pkg.rif40_zoom_levels(). </a:t>
             </a:r>
             <a:r>
               <a:rPr lang="en-GB" dirty="0" smtClean="0"/>
@@ -7056,11 +7053,7 @@
             </a:r>
             <a:r>
               <a:rPr lang="en-GB" dirty="0" smtClean="0"/>
-              <a:t>) </a:t>
-            </a:r>
-            <a:r>
-              <a:rPr lang="en-GB" dirty="0" smtClean="0"/>
-              <a:t>and loaded by </a:t>
+              <a:t>) and loaded by </a:t>
             </a:r>
             <a:r>
               <a:rPr lang="en-GB" sz="2400" dirty="0" err="1" smtClean="0"/>
@@ -7328,15 +7321,7 @@
             </a:r>
             <a:r>
               <a:rPr lang="en-GB" dirty="0" smtClean="0"/>
-              <a:t> </a:t>
-            </a:r>
-            <a:r>
-              <a:rPr lang="en-GB" dirty="0" smtClean="0"/>
-              <a:t>WKT </a:t>
-            </a:r>
-            <a:r>
-              <a:rPr lang="en-GB" dirty="0" smtClean="0"/>
-              <a:t>(Well known text) using </a:t>
+              <a:t> WKT (Well known text) using </a:t>
             </a:r>
             <a:r>
               <a:rPr lang="en-GB" i="1" dirty="0" err="1" smtClean="0"/>
@@ -7356,20 +7341,11 @@
               <a:rPr lang="en-GB" dirty="0" smtClean="0"/>
               <a:t>). Verifiable against existing CSV file;</a:t>
             </a:r>
-            <a:endParaRPr lang="en-GB" dirty="0" smtClean="0"/>
-          </a:p>
-          <a:p>
-            <a:r>
-              <a:rPr lang="en-GB" dirty="0" smtClean="0"/>
-              <a:t>The </a:t>
-            </a:r>
-            <a:r>
-              <a:rPr lang="en-GB" dirty="0" smtClean="0"/>
-              <a:t>WKT </a:t>
-            </a:r>
-            <a:r>
-              <a:rPr lang="en-GB" dirty="0" smtClean="0"/>
-              <a:t>is loaded into the data base using </a:t>
+          </a:p>
+          <a:p>
+            <a:r>
+              <a:rPr lang="en-GB" dirty="0" smtClean="0"/>
+              <a:t>The WKT is loaded into the data base using </a:t>
             </a:r>
             <a:r>
               <a:rPr lang="en-GB" i="1" dirty="0" err="1" smtClean="0"/>
@@ -7500,7 +7476,7 @@
         <p:spPr/>
         <p:txBody>
           <a:bodyPr>
-            <a:normAutofit fontScale="70000" lnSpcReduction="20000"/>
+            <a:normAutofit fontScale="85000" lnSpcReduction="20000"/>
           </a:bodyPr>
           <a:lstStyle/>
           <a:p>
@@ -7534,6 +7510,16 @@
               <a:buNone/>
             </a:pPr>
             <a:r>
+              <a:rPr lang="en-GB" sz="2600" dirty="0">
+                <a:solidFill>
+                  <a:schemeClr val="accent1"/>
+                </a:solidFill>
+                <a:latin typeface="Courier New" panose="02070309020205020404" pitchFamily="49" charset="0"/>
+                <a:cs typeface="Courier New" panose="02070309020205020404" pitchFamily="49" charset="0"/>
+              </a:rPr>
+              <a:t>CREATE TABLE gis.x_sahsu_level4 </a:t>
+            </a:r>
+            <a:r>
               <a:rPr lang="en-GB" sz="2600" dirty="0" smtClean="0">
                 <a:solidFill>
                   <a:schemeClr val="accent1"/>
@@ -7541,8 +7527,13 @@
                 <a:latin typeface="Courier New" panose="02070309020205020404" pitchFamily="49" charset="0"/>
                 <a:cs typeface="Courier New" panose="02070309020205020404" pitchFamily="49" charset="0"/>
               </a:rPr>
-              <a:t>CREATE </a:t>
-            </a:r>
+              <a:t>(</a:t>
+            </a:r>
+          </a:p>
+          <a:p>
+            <a:pPr marL="457200" lvl="1" indent="0">
+              <a:buNone/>
+            </a:pPr>
             <a:r>
               <a:rPr lang="en-GB" sz="2600" dirty="0">
                 <a:solidFill>
@@ -7551,25 +7542,10 @@
                 <a:latin typeface="Courier New" panose="02070309020205020404" pitchFamily="49" charset="0"/>
                 <a:cs typeface="Courier New" panose="02070309020205020404" pitchFamily="49" charset="0"/>
               </a:rPr>
-              <a:t>TABLE gis.x_sahsu_cen_level4 </a:t>
-            </a:r>
-            <a:r>
-              <a:rPr lang="en-GB" sz="2600" dirty="0" smtClean="0">
-                <a:solidFill>
-                  <a:schemeClr val="accent1"/>
-                </a:solidFill>
-                <a:latin typeface="Courier New" panose="02070309020205020404" pitchFamily="49" charset="0"/>
-                <a:cs typeface="Courier New" panose="02070309020205020404" pitchFamily="49" charset="0"/>
-              </a:rPr>
-              <a:t>(</a:t>
-            </a:r>
-          </a:p>
-          <a:p>
-            <a:pPr marL="1371600" lvl="3" indent="0">
-              <a:buNone/>
-            </a:pPr>
-            <a:r>
-              <a:rPr lang="en-GB" sz="2600" dirty="0" err="1" smtClean="0">
+              <a:t>	</a:t>
+            </a:r>
+            <a:r>
+              <a:rPr lang="en-GB" sz="2600" dirty="0" err="1">
                 <a:solidFill>
                   <a:schemeClr val="accent1"/>
                 </a:solidFill>
@@ -7579,151 +7555,6 @@
               <a:t>gid</a:t>
             </a:r>
             <a:r>
-              <a:rPr lang="en-GB" sz="2600" dirty="0" smtClean="0">
-                <a:solidFill>
-                  <a:schemeClr val="accent1"/>
-                </a:solidFill>
-                <a:latin typeface="Courier New" panose="02070309020205020404" pitchFamily="49" charset="0"/>
-                <a:cs typeface="Courier New" panose="02070309020205020404" pitchFamily="49" charset="0"/>
-              </a:rPr>
-              <a:t> 		</a:t>
-            </a:r>
-            <a:r>
-              <a:rPr lang="en-GB" sz="2600" dirty="0" smtClean="0">
-                <a:solidFill>
-                  <a:schemeClr val="accent1"/>
-                </a:solidFill>
-                <a:latin typeface="Courier New" panose="02070309020205020404" pitchFamily="49" charset="0"/>
-                <a:cs typeface="Courier New" panose="02070309020205020404" pitchFamily="49" charset="0"/>
-              </a:rPr>
-              <a:t>serial, </a:t>
-            </a:r>
-          </a:p>
-          <a:p>
-            <a:pPr marL="1371600" lvl="3" indent="0">
-              <a:buNone/>
-            </a:pPr>
-            <a:r>
-              <a:rPr lang="en-GB" sz="2600" dirty="0" smtClean="0">
-                <a:solidFill>
-                  <a:schemeClr val="accent1"/>
-                </a:solidFill>
-                <a:latin typeface="Courier New" panose="02070309020205020404" pitchFamily="49" charset="0"/>
-                <a:cs typeface="Courier New" panose="02070309020205020404" pitchFamily="49" charset="0"/>
-              </a:rPr>
-              <a:t>perimeter	      numeric,	</a:t>
-            </a:r>
-          </a:p>
-          <a:p>
-            <a:pPr marL="1371600" lvl="3" indent="0">
-              <a:buNone/>
-            </a:pPr>
-            <a:r>
-              <a:rPr lang="en-GB" sz="2600" dirty="0" smtClean="0">
-                <a:solidFill>
-                  <a:schemeClr val="accent1"/>
-                </a:solidFill>
-                <a:latin typeface="Courier New" panose="02070309020205020404" pitchFamily="49" charset="0"/>
-                <a:cs typeface="Courier New" panose="02070309020205020404" pitchFamily="49" charset="0"/>
-              </a:rPr>
-              <a:t>level4		varchar(15),	</a:t>
-            </a:r>
-          </a:p>
-          <a:p>
-            <a:pPr marL="1371600" lvl="3" indent="0">
-              <a:buNone/>
-            </a:pPr>
-            <a:r>
-              <a:rPr lang="en-GB" sz="2600" dirty="0" smtClean="0">
-                <a:solidFill>
-                  <a:schemeClr val="accent1"/>
-                </a:solidFill>
-                <a:latin typeface="Courier New" panose="02070309020205020404" pitchFamily="49" charset="0"/>
-                <a:cs typeface="Courier New" panose="02070309020205020404" pitchFamily="49" charset="0"/>
-              </a:rPr>
-              <a:t>level2		varchar(6),	</a:t>
-            </a:r>
-          </a:p>
-          <a:p>
-            <a:pPr marL="1371600" lvl="3" indent="0">
-              <a:buNone/>
-            </a:pPr>
-            <a:r>
-              <a:rPr lang="en-GB" sz="2600" dirty="0" smtClean="0">
-                <a:solidFill>
-                  <a:schemeClr val="accent1"/>
-                </a:solidFill>
-                <a:latin typeface="Courier New" panose="02070309020205020404" pitchFamily="49" charset="0"/>
-                <a:cs typeface="Courier New" panose="02070309020205020404" pitchFamily="49" charset="0"/>
-              </a:rPr>
-              <a:t>level1		varchar(5),	</a:t>
-            </a:r>
-          </a:p>
-          <a:p>
-            <a:pPr marL="1371600" lvl="3" indent="0">
-              <a:buNone/>
-            </a:pPr>
-            <a:r>
-              <a:rPr lang="en-GB" sz="2600" dirty="0" smtClean="0">
-                <a:solidFill>
-                  <a:schemeClr val="accent1"/>
-                </a:solidFill>
-                <a:latin typeface="Courier New" panose="02070309020205020404" pitchFamily="49" charset="0"/>
-                <a:cs typeface="Courier New" panose="02070309020205020404" pitchFamily="49" charset="0"/>
-              </a:rPr>
-              <a:t>level3		varchar(15),	</a:t>
-            </a:r>
-          </a:p>
-          <a:p>
-            <a:pPr marL="1371600" lvl="3" indent="0">
-              <a:buNone/>
-            </a:pPr>
-            <a:r>
-              <a:rPr lang="en-GB" sz="2600" dirty="0" err="1" smtClean="0">
-                <a:solidFill>
-                  <a:schemeClr val="accent1"/>
-                </a:solidFill>
-                <a:latin typeface="Courier New" panose="02070309020205020404" pitchFamily="49" charset="0"/>
-                <a:cs typeface="Courier New" panose="02070309020205020404" pitchFamily="49" charset="0"/>
-              </a:rPr>
-              <a:t>xcentroid</a:t>
-            </a:r>
-            <a:r>
-              <a:rPr lang="en-GB" sz="2600" dirty="0" smtClean="0">
-                <a:solidFill>
-                  <a:schemeClr val="accent1"/>
-                </a:solidFill>
-                <a:latin typeface="Courier New" panose="02070309020205020404" pitchFamily="49" charset="0"/>
-                <a:cs typeface="Courier New" panose="02070309020205020404" pitchFamily="49" charset="0"/>
-              </a:rPr>
-              <a:t>	      numeric,	</a:t>
-            </a:r>
-          </a:p>
-          <a:p>
-            <a:pPr marL="1371600" lvl="3" indent="0">
-              <a:buNone/>
-            </a:pPr>
-            <a:r>
-              <a:rPr lang="en-GB" sz="2600" dirty="0" err="1" smtClean="0">
-                <a:solidFill>
-                  <a:schemeClr val="accent1"/>
-                </a:solidFill>
-                <a:latin typeface="Courier New" panose="02070309020205020404" pitchFamily="49" charset="0"/>
-                <a:cs typeface="Courier New" panose="02070309020205020404" pitchFamily="49" charset="0"/>
-              </a:rPr>
-              <a:t>ycentroid</a:t>
-            </a:r>
-            <a:r>
-              <a:rPr lang="en-GB" sz="2600" dirty="0" smtClean="0">
-                <a:solidFill>
-                  <a:schemeClr val="accent1"/>
-                </a:solidFill>
-                <a:latin typeface="Courier New" panose="02070309020205020404" pitchFamily="49" charset="0"/>
-                <a:cs typeface="Courier New" panose="02070309020205020404" pitchFamily="49" charset="0"/>
-              </a:rPr>
-              <a:t> 	numeric);</a:t>
-            </a:r>
-            <a:r>
               <a:rPr lang="en-GB" sz="2600" dirty="0">
                 <a:solidFill>
                   <a:schemeClr val="accent1"/>
@@ -7731,7 +7562,7 @@
                 <a:latin typeface="Courier New" panose="02070309020205020404" pitchFamily="49" charset="0"/>
                 <a:cs typeface="Courier New" panose="02070309020205020404" pitchFamily="49" charset="0"/>
               </a:rPr>
-              <a:t>	</a:t>
+              <a:t> 	serial,	</a:t>
             </a:r>
             <a:endParaRPr lang="en-GB" sz="2600" dirty="0" smtClean="0">
               <a:solidFill>
@@ -7753,7 +7584,7 @@
                 <a:latin typeface="Courier New" panose="02070309020205020404" pitchFamily="49" charset="0"/>
                 <a:cs typeface="Courier New" panose="02070309020205020404" pitchFamily="49" charset="0"/>
               </a:rPr>
-              <a:t>ALTER </a:t>
+              <a:t>	perimeter </a:t>
             </a:r>
             <a:r>
               <a:rPr lang="en-GB" sz="2600" dirty="0">
@@ -7763,7 +7594,7 @@
                 <a:latin typeface="Courier New" panose="02070309020205020404" pitchFamily="49" charset="0"/>
                 <a:cs typeface="Courier New" panose="02070309020205020404" pitchFamily="49" charset="0"/>
               </a:rPr>
-              <a:t>TABLE gis.x_sahsu_cen_level4 </a:t>
+              <a:t>	numeric,	</a:t>
             </a:r>
             <a:endParaRPr lang="en-GB" sz="2600" dirty="0" smtClean="0">
               <a:solidFill>
@@ -7778,6 +7609,16 @@
               <a:buNone/>
             </a:pPr>
             <a:r>
+              <a:rPr lang="en-GB" sz="2600" dirty="0" smtClean="0">
+                <a:solidFill>
+                  <a:schemeClr val="accent1"/>
+                </a:solidFill>
+                <a:latin typeface="Courier New" panose="02070309020205020404" pitchFamily="49" charset="0"/>
+                <a:cs typeface="Courier New" panose="02070309020205020404" pitchFamily="49" charset="0"/>
+              </a:rPr>
+              <a:t>	level4 </a:t>
+            </a:r>
+            <a:r>
               <a:rPr lang="en-GB" sz="2600" dirty="0">
                 <a:solidFill>
                   <a:schemeClr val="accent1"/>
@@ -7785,8 +7626,126 @@
                 <a:latin typeface="Courier New" panose="02070309020205020404" pitchFamily="49" charset="0"/>
                 <a:cs typeface="Courier New" panose="02070309020205020404" pitchFamily="49" charset="0"/>
               </a:rPr>
+              <a:t>	varchar(15),	</a:t>
+            </a:r>
+            <a:endParaRPr lang="en-GB" sz="2600" dirty="0" smtClean="0">
+              <a:solidFill>
+                <a:schemeClr val="accent1"/>
+              </a:solidFill>
+              <a:latin typeface="Courier New" panose="02070309020205020404" pitchFamily="49" charset="0"/>
+              <a:cs typeface="Courier New" panose="02070309020205020404" pitchFamily="49" charset="0"/>
+            </a:endParaRPr>
+          </a:p>
+          <a:p>
+            <a:pPr marL="457200" lvl="1" indent="0">
+              <a:buNone/>
+            </a:pPr>
+            <a:r>
+              <a:rPr lang="en-GB" sz="2600" dirty="0" smtClean="0">
+                <a:solidFill>
+                  <a:schemeClr val="accent1"/>
+                </a:solidFill>
+                <a:latin typeface="Courier New" panose="02070309020205020404" pitchFamily="49" charset="0"/>
+                <a:cs typeface="Courier New" panose="02070309020205020404" pitchFamily="49" charset="0"/>
+              </a:rPr>
+              <a:t>	level2 </a:t>
+            </a:r>
+            <a:r>
+              <a:rPr lang="en-GB" sz="2600" dirty="0">
+                <a:solidFill>
+                  <a:schemeClr val="accent1"/>
+                </a:solidFill>
+                <a:latin typeface="Courier New" panose="02070309020205020404" pitchFamily="49" charset="0"/>
+                <a:cs typeface="Courier New" panose="02070309020205020404" pitchFamily="49" charset="0"/>
+              </a:rPr>
+              <a:t>	varchar(6),	</a:t>
+            </a:r>
+            <a:endParaRPr lang="en-GB" sz="2600" dirty="0" smtClean="0">
+              <a:solidFill>
+                <a:schemeClr val="accent1"/>
+              </a:solidFill>
+              <a:latin typeface="Courier New" panose="02070309020205020404" pitchFamily="49" charset="0"/>
+              <a:cs typeface="Courier New" panose="02070309020205020404" pitchFamily="49" charset="0"/>
+            </a:endParaRPr>
+          </a:p>
+          <a:p>
+            <a:pPr marL="457200" lvl="1" indent="0">
+              <a:buNone/>
+            </a:pPr>
+            <a:r>
+              <a:rPr lang="en-GB" sz="2600" dirty="0" smtClean="0">
+                <a:solidFill>
+                  <a:schemeClr val="accent1"/>
+                </a:solidFill>
+                <a:latin typeface="Courier New" panose="02070309020205020404" pitchFamily="49" charset="0"/>
+                <a:cs typeface="Courier New" panose="02070309020205020404" pitchFamily="49" charset="0"/>
+              </a:rPr>
+              <a:t>	level1 </a:t>
+            </a:r>
+            <a:r>
+              <a:rPr lang="en-GB" sz="2600" dirty="0">
+                <a:solidFill>
+                  <a:schemeClr val="accent1"/>
+                </a:solidFill>
+                <a:latin typeface="Courier New" panose="02070309020205020404" pitchFamily="49" charset="0"/>
+                <a:cs typeface="Courier New" panose="02070309020205020404" pitchFamily="49" charset="0"/>
+              </a:rPr>
+              <a:t>	varchar(5),	</a:t>
+            </a:r>
+            <a:endParaRPr lang="en-GB" sz="2600" dirty="0" smtClean="0">
+              <a:solidFill>
+                <a:schemeClr val="accent1"/>
+              </a:solidFill>
+              <a:latin typeface="Courier New" panose="02070309020205020404" pitchFamily="49" charset="0"/>
+              <a:cs typeface="Courier New" panose="02070309020205020404" pitchFamily="49" charset="0"/>
+            </a:endParaRPr>
+          </a:p>
+          <a:p>
+            <a:pPr marL="457200" lvl="1" indent="0">
+              <a:buNone/>
+            </a:pPr>
+            <a:r>
+              <a:rPr lang="en-GB" sz="2600" dirty="0" smtClean="0">
+                <a:solidFill>
+                  <a:schemeClr val="accent1"/>
+                </a:solidFill>
+                <a:latin typeface="Courier New" panose="02070309020205020404" pitchFamily="49" charset="0"/>
+                <a:cs typeface="Courier New" panose="02070309020205020404" pitchFamily="49" charset="0"/>
+              </a:rPr>
+              <a:t>	level3 </a:t>
+            </a:r>
+            <a:r>
+              <a:rPr lang="en-GB" sz="2600" dirty="0">
+                <a:solidFill>
+                  <a:schemeClr val="accent1"/>
+                </a:solidFill>
+                <a:latin typeface="Courier New" panose="02070309020205020404" pitchFamily="49" charset="0"/>
+                <a:cs typeface="Courier New" panose="02070309020205020404" pitchFamily="49" charset="0"/>
+              </a:rPr>
+              <a:t>	varchar(15));</a:t>
+            </a:r>
+            <a:r>
+              <a:rPr lang="en-GB" sz="2600" dirty="0">
+                <a:solidFill>
+                  <a:schemeClr val="accent1"/>
+                </a:solidFill>
+                <a:latin typeface="Courier New" panose="02070309020205020404" pitchFamily="49" charset="0"/>
+                <a:cs typeface="Courier New" panose="02070309020205020404" pitchFamily="49" charset="0"/>
+              </a:rPr>
               <a:t>	</a:t>
             </a:r>
+            <a:endParaRPr lang="en-GB" sz="2600" dirty="0" smtClean="0">
+              <a:solidFill>
+                <a:schemeClr val="accent1"/>
+              </a:solidFill>
+              <a:latin typeface="Courier New" panose="02070309020205020404" pitchFamily="49" charset="0"/>
+              <a:cs typeface="Courier New" panose="02070309020205020404" pitchFamily="49" charset="0"/>
+            </a:endParaRPr>
+          </a:p>
+          <a:p>
+            <a:pPr marL="457200" lvl="1" indent="0">
+              <a:buNone/>
+            </a:pPr>
             <a:r>
               <a:rPr lang="en-GB" sz="2600" dirty="0" smtClean="0">
                 <a:solidFill>
@@ -7795,6 +7754,58 @@
                 <a:latin typeface="Courier New" panose="02070309020205020404" pitchFamily="49" charset="0"/>
                 <a:cs typeface="Courier New" panose="02070309020205020404" pitchFamily="49" charset="0"/>
               </a:rPr>
+              <a:t>ALTER </a:t>
+            </a:r>
+            <a:r>
+              <a:rPr lang="en-GB" sz="2600" dirty="0">
+                <a:solidFill>
+                  <a:schemeClr val="accent1"/>
+                </a:solidFill>
+                <a:latin typeface="Courier New" panose="02070309020205020404" pitchFamily="49" charset="0"/>
+                <a:cs typeface="Courier New" panose="02070309020205020404" pitchFamily="49" charset="0"/>
+              </a:rPr>
+              <a:t>TABLE </a:t>
+            </a:r>
+            <a:r>
+              <a:rPr lang="en-GB" sz="2600" dirty="0" smtClean="0">
+                <a:solidFill>
+                  <a:schemeClr val="accent1"/>
+                </a:solidFill>
+                <a:latin typeface="Courier New" panose="02070309020205020404" pitchFamily="49" charset="0"/>
+                <a:cs typeface="Courier New" panose="02070309020205020404" pitchFamily="49" charset="0"/>
+              </a:rPr>
+              <a:t>gis.x_sahsu_level4 </a:t>
+            </a:r>
+            <a:endParaRPr lang="en-GB" sz="2600" dirty="0" smtClean="0">
+              <a:solidFill>
+                <a:schemeClr val="accent1"/>
+              </a:solidFill>
+              <a:latin typeface="Courier New" panose="02070309020205020404" pitchFamily="49" charset="0"/>
+              <a:cs typeface="Courier New" panose="02070309020205020404" pitchFamily="49" charset="0"/>
+            </a:endParaRPr>
+          </a:p>
+          <a:p>
+            <a:pPr marL="457200" lvl="1" indent="0">
+              <a:buNone/>
+            </a:pPr>
+            <a:r>
+              <a:rPr lang="en-GB" sz="2600" dirty="0">
+                <a:solidFill>
+                  <a:schemeClr val="accent1"/>
+                </a:solidFill>
+                <a:latin typeface="Courier New" panose="02070309020205020404" pitchFamily="49" charset="0"/>
+                <a:cs typeface="Courier New" panose="02070309020205020404" pitchFamily="49" charset="0"/>
+              </a:rPr>
+              <a:t>	</a:t>
+            </a:r>
+            <a:r>
+              <a:rPr lang="en-GB" sz="2600" dirty="0" smtClean="0">
+                <a:solidFill>
+                  <a:schemeClr val="accent1"/>
+                </a:solidFill>
+                <a:latin typeface="Courier New" panose="02070309020205020404" pitchFamily="49" charset="0"/>
+                <a:cs typeface="Courier New" panose="02070309020205020404" pitchFamily="49" charset="0"/>
+              </a:rPr>
               <a:t>ADD </a:t>
             </a:r>
             <a:r>
@@ -7860,7 +7871,17 @@
                 <a:latin typeface="Courier New" panose="02070309020205020404" pitchFamily="49" charset="0"/>
                 <a:cs typeface="Courier New" panose="02070309020205020404" pitchFamily="49" charset="0"/>
               </a:rPr>
-              <a:t>('gis','x_sahsu_cen_level4</a:t>
+              <a:t>('</a:t>
+            </a:r>
+            <a:r>
+              <a:rPr lang="en-GB" sz="2600" dirty="0" err="1">
+                <a:solidFill>
+                  <a:schemeClr val="accent1"/>
+                </a:solidFill>
+                <a:latin typeface="Courier New" panose="02070309020205020404" pitchFamily="49" charset="0"/>
+                <a:cs typeface="Courier New" panose="02070309020205020404" pitchFamily="49" charset="0"/>
+              </a:rPr>
+              <a:t>gis</a:t>
             </a:r>
             <a:r>
               <a:rPr lang="en-GB" sz="2600" dirty="0" smtClean="0">
@@ -7870,6 +7891,26 @@
                 <a:latin typeface="Courier New" panose="02070309020205020404" pitchFamily="49" charset="0"/>
                 <a:cs typeface="Courier New" panose="02070309020205020404" pitchFamily="49" charset="0"/>
               </a:rPr>
+              <a:t>', 'x_sahsu_level4', '</a:t>
+            </a:r>
+            <a:r>
+              <a:rPr lang="en-GB" sz="2600" dirty="0" err="1" smtClean="0">
+                <a:solidFill>
+                  <a:schemeClr val="accent1"/>
+                </a:solidFill>
+                <a:latin typeface="Courier New" panose="02070309020205020404" pitchFamily="49" charset="0"/>
+                <a:cs typeface="Courier New" panose="02070309020205020404" pitchFamily="49" charset="0"/>
+              </a:rPr>
+              <a:t>geom</a:t>
+            </a:r>
+            <a:r>
+              <a:rPr lang="en-GB" sz="2600" dirty="0" smtClean="0">
+                <a:solidFill>
+                  <a:schemeClr val="accent1"/>
+                </a:solidFill>
+                <a:latin typeface="Courier New" panose="02070309020205020404" pitchFamily="49" charset="0"/>
+                <a:cs typeface="Courier New" panose="02070309020205020404" pitchFamily="49" charset="0"/>
+              </a:rPr>
               <a:t>',</a:t>
             </a:r>
           </a:p>
@@ -7878,6 +7919,16 @@
               <a:buNone/>
             </a:pPr>
             <a:r>
+              <a:rPr lang="en-GB" sz="2600" dirty="0" smtClean="0">
+                <a:solidFill>
+                  <a:schemeClr val="accent1"/>
+                </a:solidFill>
+                <a:latin typeface="Courier New" panose="02070309020205020404" pitchFamily="49" charset="0"/>
+                <a:cs typeface="Courier New" panose="02070309020205020404" pitchFamily="49" charset="0"/>
+              </a:rPr>
+              <a:t> 			'27700</a:t>
+            </a:r>
+            <a:r>
               <a:rPr lang="en-GB" sz="2600" dirty="0">
                 <a:solidFill>
                   <a:schemeClr val="accent1"/>
@@ -7885,7 +7936,7 @@
                 <a:latin typeface="Courier New" panose="02070309020205020404" pitchFamily="49" charset="0"/>
                 <a:cs typeface="Courier New" panose="02070309020205020404" pitchFamily="49" charset="0"/>
               </a:rPr>
-              <a:t>	</a:t>
+              <a:t>'/* UK </a:t>
             </a:r>
             <a:r>
               <a:rPr lang="en-GB" sz="2600" dirty="0" smtClean="0">
@@ -7895,7 +7946,7 @@
                 <a:latin typeface="Courier New" panose="02070309020205020404" pitchFamily="49" charset="0"/>
                 <a:cs typeface="Courier New" panose="02070309020205020404" pitchFamily="49" charset="0"/>
               </a:rPr>
-              <a:t>'geom</a:t>
+              <a:t>*/, 'MULTIPOLYGON</a:t>
             </a:r>
             <a:r>
               <a:rPr lang="en-GB" sz="2600" dirty="0">
@@ -7905,8 +7956,15 @@
                 <a:latin typeface="Courier New" panose="02070309020205020404" pitchFamily="49" charset="0"/>
                 <a:cs typeface="Courier New" panose="02070309020205020404" pitchFamily="49" charset="0"/>
               </a:rPr>
-              <a:t>','27700','POINT',2);</a:t>
-            </a:r>
+              <a:t>',2);</a:t>
+            </a:r>
+            <a:endParaRPr lang="en-GB" sz="2600" dirty="0">
+              <a:solidFill>
+                <a:schemeClr val="accent1"/>
+              </a:solidFill>
+              <a:latin typeface="Courier New" panose="02070309020205020404" pitchFamily="49" charset="0"/>
+              <a:cs typeface="Courier New" panose="02070309020205020404" pitchFamily="49" charset="0"/>
+            </a:endParaRPr>
           </a:p>
         </p:txBody>
       </p:sp>
@@ -8138,7 +8196,6 @@
               <a:rPr lang="en-GB" i="1" dirty="0" smtClean="0"/>
               <a:t>rif40_geo_pkg.populate_rif40_geometry_tables()</a:t>
             </a:r>
-            <a:endParaRPr lang="en-GB" i="1" dirty="0" smtClean="0"/>
           </a:p>
           <a:p>
             <a:r>
@@ -8930,11 +8987,7 @@
             </a:r>
             <a:r>
               <a:rPr lang="en-GB" dirty="0" smtClean="0"/>
-              <a:t> 6, 8, and 11</a:t>
-            </a:r>
-            <a:r>
-              <a:rPr lang="en-GB" dirty="0" smtClean="0"/>
-              <a:t>;</a:t>
+              <a:t> 6, 8, and 11;</a:t>
             </a:r>
           </a:p>
           <a:p>
